--- a/additional_files/Presentation working.pptx
+++ b/additional_files/Presentation working.pptx
@@ -193,7 +193,7 @@
           <a:p>
             <a:fld id="{0E4BFEF4-99EF-4159-BDE5-F95AD7FFC2CD}" type="datetimeFigureOut">
               <a:rPr lang="en-US" smtClean="0"/>
-              <a:t>21-Jul-22</a:t>
+              <a:t>7/21/2022</a:t>
             </a:fld>
             <a:endParaRPr lang="en-US"/>
           </a:p>
@@ -701,7 +701,7 @@
           <a:p>
             <a:fld id="{81CC1F6E-637A-4A66-8355-D94C744AD547}" type="datetimeFigureOut">
               <a:rPr lang="en-US" smtClean="0"/>
-              <a:t>21-Jul-22</a:t>
+              <a:t>7/21/2022</a:t>
             </a:fld>
             <a:endParaRPr lang="en-US"/>
           </a:p>
@@ -871,7 +871,7 @@
           <a:p>
             <a:fld id="{81CC1F6E-637A-4A66-8355-D94C744AD547}" type="datetimeFigureOut">
               <a:rPr lang="en-US" smtClean="0"/>
-              <a:t>21-Jul-22</a:t>
+              <a:t>7/21/2022</a:t>
             </a:fld>
             <a:endParaRPr lang="en-US"/>
           </a:p>
@@ -1051,7 +1051,7 @@
           <a:p>
             <a:fld id="{81CC1F6E-637A-4A66-8355-D94C744AD547}" type="datetimeFigureOut">
               <a:rPr lang="en-US" smtClean="0"/>
-              <a:t>21-Jul-22</a:t>
+              <a:t>7/21/2022</a:t>
             </a:fld>
             <a:endParaRPr lang="en-US"/>
           </a:p>
@@ -1221,7 +1221,7 @@
           <a:p>
             <a:fld id="{81CC1F6E-637A-4A66-8355-D94C744AD547}" type="datetimeFigureOut">
               <a:rPr lang="en-US" smtClean="0"/>
-              <a:t>21-Jul-22</a:t>
+              <a:t>7/21/2022</a:t>
             </a:fld>
             <a:endParaRPr lang="en-US"/>
           </a:p>
@@ -1465,7 +1465,7 @@
           <a:p>
             <a:fld id="{81CC1F6E-637A-4A66-8355-D94C744AD547}" type="datetimeFigureOut">
               <a:rPr lang="en-US" smtClean="0"/>
-              <a:t>21-Jul-22</a:t>
+              <a:t>7/21/2022</a:t>
             </a:fld>
             <a:endParaRPr lang="en-US"/>
           </a:p>
@@ -1697,7 +1697,7 @@
           <a:p>
             <a:fld id="{81CC1F6E-637A-4A66-8355-D94C744AD547}" type="datetimeFigureOut">
               <a:rPr lang="en-US" smtClean="0"/>
-              <a:t>21-Jul-22</a:t>
+              <a:t>7/21/2022</a:t>
             </a:fld>
             <a:endParaRPr lang="en-US"/>
           </a:p>
@@ -2064,7 +2064,7 @@
           <a:p>
             <a:fld id="{81CC1F6E-637A-4A66-8355-D94C744AD547}" type="datetimeFigureOut">
               <a:rPr lang="en-US" smtClean="0"/>
-              <a:t>21-Jul-22</a:t>
+              <a:t>7/21/2022</a:t>
             </a:fld>
             <a:endParaRPr lang="en-US"/>
           </a:p>
@@ -2182,7 +2182,7 @@
           <a:p>
             <a:fld id="{81CC1F6E-637A-4A66-8355-D94C744AD547}" type="datetimeFigureOut">
               <a:rPr lang="en-US" smtClean="0"/>
-              <a:t>21-Jul-22</a:t>
+              <a:t>7/21/2022</a:t>
             </a:fld>
             <a:endParaRPr lang="en-US"/>
           </a:p>
@@ -2277,7 +2277,7 @@
           <a:p>
             <a:fld id="{81CC1F6E-637A-4A66-8355-D94C744AD547}" type="datetimeFigureOut">
               <a:rPr lang="en-US" smtClean="0"/>
-              <a:t>21-Jul-22</a:t>
+              <a:t>7/21/2022</a:t>
             </a:fld>
             <a:endParaRPr lang="en-US"/>
           </a:p>
@@ -2554,7 +2554,7 @@
           <a:p>
             <a:fld id="{81CC1F6E-637A-4A66-8355-D94C744AD547}" type="datetimeFigureOut">
               <a:rPr lang="en-US" smtClean="0"/>
-              <a:t>21-Jul-22</a:t>
+              <a:t>7/21/2022</a:t>
             </a:fld>
             <a:endParaRPr lang="en-US"/>
           </a:p>
@@ -2811,7 +2811,7 @@
           <a:p>
             <a:fld id="{81CC1F6E-637A-4A66-8355-D94C744AD547}" type="datetimeFigureOut">
               <a:rPr lang="en-US" smtClean="0"/>
-              <a:t>21-Jul-22</a:t>
+              <a:t>7/21/2022</a:t>
             </a:fld>
             <a:endParaRPr lang="en-US"/>
           </a:p>
@@ -3024,7 +3024,7 @@
           <a:p>
             <a:fld id="{81CC1F6E-637A-4A66-8355-D94C744AD547}" type="datetimeFigureOut">
               <a:rPr lang="en-US" smtClean="0"/>
-              <a:t>21-Jul-22</a:t>
+              <a:t>7/21/2022</a:t>
             </a:fld>
             <a:endParaRPr lang="en-US"/>
           </a:p>
@@ -3477,6 +3477,13 @@
   <p:clrMapOvr>
     <a:masterClrMapping/>
   </p:clrMapOvr>
+  <p:timing>
+    <p:tnLst>
+      <p:par>
+        <p:cTn id="1" dur="indefinite" restart="never" nodeType="tmRoot"/>
+      </p:par>
+    </p:tnLst>
+  </p:timing>
 </p:sld>
 </file>
 
@@ -3542,66 +3549,12 @@
         </p:blipFill>
         <p:spPr>
           <a:xfrm>
-            <a:off x="0" y="0"/>
+            <a:off x="-1" y="2050"/>
             <a:ext cx="9142367" cy="6858000"/>
           </a:xfrm>
           <a:prstGeom prst="rect">
             <a:avLst/>
           </a:prstGeom>
-        </p:spPr>
-      </p:pic>
-      <p:pic>
-        <p:nvPicPr>
-          <p:cNvPr id="1028" name="Picture 4" descr="Publicate! | LinkedIn"/>
-          <p:cNvPicPr>
-            <a:picLocks noChangeAspect="1" noChangeArrowheads="1"/>
-          </p:cNvPicPr>
-          <p:nvPr/>
-        </p:nvPicPr>
-        <p:blipFill rotWithShape="1">
-          <a:blip r:embed="rId5">
-            <a:extLst>
-              <a:ext uri="{BEBA8EAE-BF5A-486C-A8C5-ECC9F3942E4B}">
-                <a14:imgProps xmlns:a14="http://schemas.microsoft.com/office/drawing/2010/main">
-                  <a14:imgLayer r:embed="rId6">
-                    <a14:imgEffect>
-                      <a14:sharpenSoften amount="50000"/>
-                    </a14:imgEffect>
-                    <a14:imgEffect>
-                      <a14:saturation sat="400000"/>
-                    </a14:imgEffect>
-                    <a14:imgEffect>
-                      <a14:brightnessContrast contrast="40000"/>
-                    </a14:imgEffect>
-                  </a14:imgLayer>
-                </a14:imgProps>
-              </a:ext>
-              <a:ext uri="{28A0092B-C50C-407E-A947-70E740481C1C}">
-                <a14:useLocalDpi xmlns:a14="http://schemas.microsoft.com/office/drawing/2010/main" val="0"/>
-              </a:ext>
-            </a:extLst>
-          </a:blip>
-          <a:srcRect t="49694" b="18578"/>
-          <a:stretch/>
-        </p:blipFill>
-        <p:spPr bwMode="auto">
-          <a:xfrm>
-            <a:off x="461773" y="1514904"/>
-            <a:ext cx="8258919" cy="2620371"/>
-          </a:xfrm>
-          <a:prstGeom prst="rect">
-            <a:avLst/>
-          </a:prstGeom>
-          <a:noFill/>
-          <a:extLst>
-            <a:ext uri="{909E8E84-426E-40DD-AFC4-6F175D3DCCD1}">
-              <a14:hiddenFill xmlns:a14="http://schemas.microsoft.com/office/drawing/2010/main">
-                <a:solidFill>
-                  <a:srgbClr val="FFFFFF"/>
-                </a:solidFill>
-              </a14:hiddenFill>
-            </a:ext>
-          </a:extLst>
         </p:spPr>
       </p:pic>
       <p:sp>
@@ -3679,16 +3632,7 @@
                 </a:solidFill>
                 <a:latin typeface="Script MT Bold" panose="03040602040607080904" pitchFamily="66" charset="0"/>
               </a:rPr>
-              <a:t>ensorship </a:t>
-            </a:r>
-            <a:r>
-              <a:rPr lang="en-US" sz="3200" dirty="0" smtClean="0">
-                <a:solidFill>
-                  <a:srgbClr val="FF0000"/>
-                </a:solidFill>
-                <a:latin typeface="Script MT Bold" panose="03040602040607080904" pitchFamily="66" charset="0"/>
-              </a:rPr>
-              <a:t>resistant social media on the </a:t>
+              <a:t>ensorship resistant social media on the </a:t>
             </a:r>
             <a:r>
               <a:rPr lang="en-US" sz="3200" dirty="0" err="1" smtClean="0">
@@ -3753,7 +3697,7 @@
           <p:nvPr/>
         </p:nvPicPr>
         <p:blipFill>
-          <a:blip r:embed="rId7">
+          <a:blip r:embed="rId5">
             <a:extLst>
               <a:ext uri="{28A0092B-C50C-407E-A947-70E740481C1C}">
                 <a14:useLocalDpi xmlns:a14="http://schemas.microsoft.com/office/drawing/2010/main" val="0"/>
@@ -3766,7 +3710,7 @@
         </p:blipFill>
         <p:spPr>
           <a:xfrm>
-            <a:off x="1409075" y="2050"/>
+            <a:off x="-5471037" y="-602886"/>
             <a:ext cx="6855949" cy="6855949"/>
           </a:xfrm>
           <a:prstGeom prst="rect">
@@ -3843,119 +3787,54 @@
                                 </p:cTn>
                               </p:par>
                               <p:par>
-                                <p:cTn id="8" presetID="64" presetClass="path" presetSubtype="0" accel="50000" decel="50000" fill="hold" nodeType="withEffect">
+                                <p:cTn id="8" presetID="49" presetClass="path" presetSubtype="0" accel="50000" decel="50000" fill="hold" nodeType="withEffect">
                                   <p:stCondLst>
                                     <p:cond delay="0"/>
                                   </p:stCondLst>
                                   <p:childTnLst>
-                                    <p:animMotion origin="layout" path="M -3.33333E-6 4.44444E-6 L -3.33333E-6 -0.14514 " pathEditMode="relative" rAng="0" ptsTypes="AA">
+                                    <p:animMotion origin="layout" path="M -0.39966 -0.34398 L -0.02691 -0.08819 " pathEditMode="relative" rAng="0" ptsTypes="AA">
                                       <p:cBhvr>
-                                        <p:cTn id="9" dur="2000" fill="hold"/>
+                                        <p:cTn id="9" dur="2000" spd="-100000" fill="hold"/>
                                         <p:tgtEl>
-                                          <p:spTgt spid="1028"/>
+                                          <p:spTgt spid="6"/>
                                         </p:tgtEl>
                                         <p:attrNameLst>
                                           <p:attrName>ppt_x</p:attrName>
                                           <p:attrName>ppt_y</p:attrName>
                                         </p:attrNameLst>
                                       </p:cBhvr>
-                                      <p:rCtr x="0" y="-7269"/>
+                                      <p:rCtr x="18628" y="12778"/>
                                     </p:animMotion>
                                   </p:childTnLst>
                                 </p:cTn>
                               </p:par>
-                            </p:childTnLst>
-                          </p:cTn>
-                        </p:par>
-                        <p:par>
-                          <p:cTn id="10" fill="hold">
-                            <p:stCondLst>
-                              <p:cond delay="2000"/>
-                            </p:stCondLst>
-                            <p:childTnLst>
                               <p:par>
-                                <p:cTn id="11" presetID="27" presetClass="emph" presetSubtype="0" fill="remove" nodeType="afterEffect">
+                                <p:cTn id="10" presetID="6" presetClass="emph" presetSubtype="0" fill="hold" nodeType="withEffect">
                                   <p:stCondLst>
                                     <p:cond delay="0"/>
                                   </p:stCondLst>
                                   <p:childTnLst>
-                                    <p:animClr clrSpc="rgb" dir="cw">
-                                      <p:cBhvr override="childStyle">
-                                        <p:cTn id="12" dur="500" autoRev="1" fill="remove"/>
+                                    <p:animScale>
+                                      <p:cBhvr>
+                                        <p:cTn id="11" dur="2000" fill="hold"/>
                                         <p:tgtEl>
-                                          <p:spTgt spid="1028"/>
+                                          <p:spTgt spid="6"/>
                                         </p:tgtEl>
-                                        <p:attrNameLst>
-                                          <p:attrName>style.color</p:attrName>
-                                        </p:attrNameLst>
                                       </p:cBhvr>
-                                      <p:to>
-                                        <a:srgbClr val="002060"/>
-                                      </p:to>
-                                    </p:animClr>
-                                    <p:animClr clrSpc="rgb" dir="cw">
-                                      <p:cBhvr>
-                                        <p:cTn id="13" dur="500" autoRev="1" fill="remove"/>
-                                        <p:tgtEl>
-                                          <p:spTgt spid="1028"/>
-                                        </p:tgtEl>
-                                        <p:attrNameLst>
-                                          <p:attrName>fillcolor</p:attrName>
-                                        </p:attrNameLst>
-                                      </p:cBhvr>
-                                      <p:to>
-                                        <a:srgbClr val="002060"/>
-                                      </p:to>
-                                    </p:animClr>
-                                    <p:set>
-                                      <p:cBhvr>
-                                        <p:cTn id="14" dur="500" autoRev="1" fill="remove"/>
-                                        <p:tgtEl>
-                                          <p:spTgt spid="1028"/>
-                                        </p:tgtEl>
-                                        <p:attrNameLst>
-                                          <p:attrName>fill.type</p:attrName>
-                                        </p:attrNameLst>
-                                      </p:cBhvr>
-                                      <p:to>
-                                        <p:strVal val="solid"/>
-                                      </p:to>
-                                    </p:set>
-                                    <p:set>
-                                      <p:cBhvr>
-                                        <p:cTn id="15" dur="500" autoRev="1" fill="remove"/>
-                                        <p:tgtEl>
-                                          <p:spTgt spid="1028"/>
-                                        </p:tgtEl>
-                                        <p:attrNameLst>
-                                          <p:attrName>fill.on</p:attrName>
-                                        </p:attrNameLst>
-                                      </p:cBhvr>
-                                      <p:to>
-                                        <p:strVal val="true"/>
-                                      </p:to>
-                                    </p:set>
+                                      <p:by x="25000" y="25000"/>
+                                    </p:animScale>
                                   </p:childTnLst>
                                 </p:cTn>
                               </p:par>
-                            </p:childTnLst>
-                          </p:cTn>
-                        </p:par>
-                        <p:par>
-                          <p:cTn id="16" fill="hold">
-                            <p:stCondLst>
-                              <p:cond delay="3000"/>
-                            </p:stCondLst>
-                            <p:childTnLst>
                               <p:par>
-                                <p:cTn id="17" presetID="10" presetClass="entr" presetSubtype="0" fill="hold" grpId="0" nodeType="afterEffect">
+                                <p:cTn id="12" presetID="10" presetClass="entr" presetSubtype="0" fill="hold" grpId="1" nodeType="withEffect">
                                   <p:stCondLst>
                                     <p:cond delay="0"/>
                                   </p:stCondLst>
                                   <p:childTnLst>
                                     <p:set>
                                       <p:cBhvr>
-                                        <p:cTn id="18" dur="1" fill="hold">
+                                        <p:cTn id="13" dur="1" fill="hold">
                                           <p:stCondLst>
                                             <p:cond delay="0"/>
                                           </p:stCondLst>
@@ -3973,9 +3852,44 @@
                                     </p:set>
                                     <p:animEffect transition="in" filter="fade">
                                       <p:cBhvr>
-                                        <p:cTn id="19" dur="500"/>
+                                        <p:cTn id="14" dur="500"/>
                                         <p:tgtEl>
                                           <p:spTgt spid="13"/>
+                                        </p:tgtEl>
+                                      </p:cBhvr>
+                                    </p:animEffect>
+                                  </p:childTnLst>
+                                </p:cTn>
+                              </p:par>
+                              <p:par>
+                                <p:cTn id="15" presetID="10" presetClass="entr" presetSubtype="0" fill="hold" nodeType="withEffect">
+                                  <p:stCondLst>
+                                    <p:cond delay="0"/>
+                                  </p:stCondLst>
+                                  <p:childTnLst>
+                                    <p:set>
+                                      <p:cBhvr>
+                                        <p:cTn id="16" dur="1" fill="hold">
+                                          <p:stCondLst>
+                                            <p:cond delay="0"/>
+                                          </p:stCondLst>
+                                        </p:cTn>
+                                        <p:tgtEl>
+                                          <p:spTgt spid="4"/>
+                                        </p:tgtEl>
+                                        <p:attrNameLst>
+                                          <p:attrName>style.visibility</p:attrName>
+                                        </p:attrNameLst>
+                                      </p:cBhvr>
+                                      <p:to>
+                                        <p:strVal val="visible"/>
+                                      </p:to>
+                                    </p:set>
+                                    <p:animEffect transition="in" filter="fade">
+                                      <p:cBhvr>
+                                        <p:cTn id="17" dur="500"/>
+                                        <p:tgtEl>
+                                          <p:spTgt spid="4"/>
                                         </p:tgtEl>
                                       </p:cBhvr>
                                     </p:animEffect>
@@ -3985,76 +3899,44 @@
                             </p:childTnLst>
                           </p:cTn>
                         </p:par>
-                      </p:childTnLst>
-                    </p:cTn>
-                  </p:par>
-                  <p:par>
-                    <p:cTn id="20" fill="hold">
-                      <p:stCondLst>
-                        <p:cond delay="indefinite"/>
-                      </p:stCondLst>
-                      <p:childTnLst>
                         <p:par>
-                          <p:cTn id="21" fill="hold">
+                          <p:cTn id="18" fill="hold">
                             <p:stCondLst>
-                              <p:cond delay="0"/>
+                              <p:cond delay="2000"/>
                             </p:stCondLst>
                             <p:childTnLst>
                               <p:par>
-                                <p:cTn id="22" presetID="50" presetClass="path" presetSubtype="0" accel="50000" decel="50000" fill="hold" nodeType="clickEffect">
+                                <p:cTn id="19" presetID="10" presetClass="entr" presetSubtype="0" fill="hold" grpId="0" nodeType="afterEffect">
                                   <p:stCondLst>
                                     <p:cond delay="0"/>
                                   </p:stCondLst>
                                   <p:childTnLst>
-                                    <p:animMotion origin="layout" path="M -0.25 -0.25 L -0.125 -0.25 C -0.06892 -0.25 -1.94444E-6 -0.18102 -1.94444E-6 -0.125 L -1.94444E-6 1.48148E-6 " pathEditMode="relative" rAng="0" ptsTypes="AAAA">
+                                    <p:set>
                                       <p:cBhvr>
-                                        <p:cTn id="23" dur="2000" spd="-100000" fill="hold"/>
+                                        <p:cTn id="20" dur="1" fill="hold">
+                                          <p:stCondLst>
+                                            <p:cond delay="0"/>
+                                          </p:stCondLst>
+                                        </p:cTn>
                                         <p:tgtEl>
-                                          <p:spTgt spid="6"/>
+                                          <p:spTgt spid="13"/>
                                         </p:tgtEl>
                                         <p:attrNameLst>
-                                          <p:attrName>ppt_x</p:attrName>
-                                          <p:attrName>ppt_y</p:attrName>
+                                          <p:attrName>style.visibility</p:attrName>
                                         </p:attrNameLst>
                                       </p:cBhvr>
-                                      <p:rCtr x="12500" y="12500"/>
-                                    </p:animMotion>
-                                  </p:childTnLst>
-                                </p:cTn>
-                              </p:par>
-                            </p:childTnLst>
-                          </p:cTn>
-                        </p:par>
-                      </p:childTnLst>
-                    </p:cTn>
-                  </p:par>
-                  <p:par>
-                    <p:cTn id="24" fill="hold">
-                      <p:stCondLst>
-                        <p:cond delay="indefinite"/>
-                      </p:stCondLst>
-                      <p:childTnLst>
-                        <p:par>
-                          <p:cTn id="25" fill="hold">
-                            <p:stCondLst>
-                              <p:cond delay="0"/>
-                            </p:stCondLst>
-                            <p:childTnLst>
-                              <p:par>
-                                <p:cTn id="26" presetID="6" presetClass="emph" presetSubtype="0" fill="hold" nodeType="clickEffect">
-                                  <p:stCondLst>
-                                    <p:cond delay="0"/>
-                                  </p:stCondLst>
-                                  <p:childTnLst>
-                                    <p:animScale>
+                                      <p:to>
+                                        <p:strVal val="visible"/>
+                                      </p:to>
+                                    </p:set>
+                                    <p:animEffect transition="in" filter="fade">
                                       <p:cBhvr>
-                                        <p:cTn id="27" dur="2000" fill="hold"/>
+                                        <p:cTn id="21" dur="500"/>
                                         <p:tgtEl>
-                                          <p:spTgt spid="6"/>
+                                          <p:spTgt spid="13"/>
                                         </p:tgtEl>
                                       </p:cBhvr>
-                                      <p:by x="150000" y="150000"/>
-                                    </p:animScale>
+                                    </p:animEffect>
                                   </p:childTnLst>
                                 </p:cTn>
                               </p:par>
@@ -4087,6 +3969,7 @@
     </p:tnLst>
     <p:bldLst>
       <p:bldP spid="13" grpId="0"/>
+      <p:bldP spid="13" grpId="1"/>
     </p:bldLst>
   </p:timing>
 </p:sld>
@@ -4135,7 +4018,7 @@
     </a:clrScheme>
     <a:fontScheme name="Office Theme">
       <a:majorFont>
-        <a:latin typeface="Calibri Light" panose="020F0302020204030204"/>
+        <a:latin typeface="Calibri Light"/>
         <a:ea typeface=""/>
         <a:cs typeface=""/>
         <a:font script="Jpan" typeface="ＭＳ Ｐゴシック"/>
@@ -4170,7 +4053,7 @@
         <a:font script="Geor" typeface="Sylfaen"/>
       </a:majorFont>
       <a:minorFont>
-        <a:latin typeface="Calibri" panose="020F0502020204030204"/>
+        <a:latin typeface="Calibri"/>
         <a:ea typeface=""/>
         <a:cs typeface=""/>
         <a:font script="Jpan" typeface="ＭＳ Ｐゴシック"/>
@@ -4347,7 +4230,7 @@
   <a:extraClrSchemeLst/>
   <a:extLst>
     <a:ext uri="{05A4C25C-085E-4340-85A3-A5531E510DB2}">
-      <thm15:themeFamily xmlns:thm15="http://schemas.microsoft.com/office/thememl/2012/main" name="Office Theme" id="{62F939B6-93AF-4DB8-9C6B-D6C7DFDC589F}" vid="{4A3C46E8-61CC-4603-A589-7422A47A8E4A}"/>
+      <thm15:themeFamily xmlns:thm15="http://schemas.microsoft.com/office/thememl/2012/main" xmlns="" name="Office Theme" id="{62F939B6-93AF-4DB8-9C6B-D6C7DFDC589F}" vid="{4A3C46E8-61CC-4603-A589-7422A47A8E4A}"/>
     </a:ext>
   </a:extLst>
 </a:theme>
@@ -4396,7 +4279,7 @@
     </a:clrScheme>
     <a:fontScheme name="Office">
       <a:majorFont>
-        <a:latin typeface="Calibri Light" panose="020F0302020204030204"/>
+        <a:latin typeface="Calibri Light"/>
         <a:ea typeface=""/>
         <a:cs typeface=""/>
         <a:font script="Jpan" typeface="ＭＳ Ｐゴシック"/>
@@ -4431,7 +4314,7 @@
         <a:font script="Geor" typeface="Sylfaen"/>
       </a:majorFont>
       <a:minorFont>
-        <a:latin typeface="Calibri" panose="020F0502020204030204"/>
+        <a:latin typeface="Calibri"/>
         <a:ea typeface=""/>
         <a:cs typeface=""/>
         <a:font script="Jpan" typeface="ＭＳ Ｐゴシック"/>
@@ -4608,7 +4491,7 @@
   <a:extraClrSchemeLst/>
   <a:extLst>
     <a:ext uri="{05A4C25C-085E-4340-85A3-A5531E510DB2}">
-      <thm15:themeFamily xmlns:thm15="http://schemas.microsoft.com/office/thememl/2012/main" name="Office Theme" id="{62F939B6-93AF-4DB8-9C6B-D6C7DFDC589F}" vid="{4A3C46E8-61CC-4603-A589-7422A47A8E4A}"/>
+      <thm15:themeFamily xmlns:thm15="http://schemas.microsoft.com/office/thememl/2012/main" xmlns="" name="Office Theme" id="{62F939B6-93AF-4DB8-9C6B-D6C7DFDC589F}" vid="{4A3C46E8-61CC-4603-A589-7422A47A8E4A}"/>
     </a:ext>
   </a:extLst>
 </a:theme>
